--- a/Slide.pptx
+++ b/Slide.pptx
@@ -244,7 +244,7 @@
           <a:p>
             <a:fld id="{9E88B8F3-31C2-4698-B74C-D5D76CFD8ACD}" type="datetimeFigureOut">
               <a:rPr lang="ru-RU" smtClean="0"/>
-              <a:t>03.06.2020</a:t>
+              <a:t>04.06.2020</a:t>
             </a:fld>
             <a:endParaRPr lang="ru-RU" dirty="0"/>
           </a:p>
@@ -421,7 +421,7 @@
           <a:p>
             <a:fld id="{7000EB3D-2307-4317-8A1D-B47FA45245F0}" type="datetimeFigureOut">
               <a:rPr lang="ru-RU" smtClean="0"/>
-              <a:t>03.06.2020</a:t>
+              <a:t>04.06.2020</a:t>
             </a:fld>
             <a:endParaRPr lang="ru-RU" dirty="0"/>
           </a:p>
@@ -18678,6 +18678,231 @@
               <a:t>YOU!</a:t>
             </a:r>
             <a:endParaRPr lang="ru-RU" dirty="0"/>
+          </a:p>
+        </p:txBody>
+      </p:sp>
+      <p:sp>
+        <p:nvSpPr>
+          <p:cNvPr id="5" name="Text Placeholder 3">
+            <a:extLst>
+              <a:ext uri="{FF2B5EF4-FFF2-40B4-BE49-F238E27FC236}">
+                <a16:creationId xmlns:a16="http://schemas.microsoft.com/office/drawing/2014/main" id="{DC21EFDE-24B2-4FC2-82FF-0F7895815502}"/>
+              </a:ext>
+            </a:extLst>
+          </p:cNvPr>
+          <p:cNvSpPr txBox="1">
+            <a:spLocks/>
+          </p:cNvSpPr>
+          <p:nvPr/>
+        </p:nvSpPr>
+        <p:spPr>
+          <a:xfrm>
+            <a:off x="7491411" y="4900322"/>
+            <a:ext cx="5548920" cy="2588637"/>
+          </a:xfrm>
+          <a:prstGeom prst="rect">
+            <a:avLst/>
+          </a:prstGeom>
+        </p:spPr>
+        <p:txBody>
+          <a:bodyPr>
+            <a:noAutofit/>
+          </a:bodyPr>
+          <a:lstStyle>
+            <a:lvl1pPr marL="228600" indent="-228600" algn="l" defTabSz="914400" rtl="0" eaLnBrk="1" latinLnBrk="0" hangingPunct="1">
+              <a:lnSpc>
+                <a:spcPct val="90000"/>
+              </a:lnSpc>
+              <a:spcBef>
+                <a:spcPts val="1000"/>
+              </a:spcBef>
+              <a:buFont typeface="Arial" panose="020B0604020202020204" pitchFamily="34" charset="0"/>
+              <a:buChar char="•"/>
+              <a:defRPr sz="2800" kern="1200">
+                <a:solidFill>
+                  <a:schemeClr val="tx2"/>
+                </a:solidFill>
+                <a:latin typeface="+mn-lt"/>
+                <a:ea typeface="+mn-ea"/>
+                <a:cs typeface="+mn-cs"/>
+              </a:defRPr>
+            </a:lvl1pPr>
+            <a:lvl2pPr marL="685800" indent="-228600" algn="l" defTabSz="914400" rtl="0" eaLnBrk="1" latinLnBrk="0" hangingPunct="1">
+              <a:lnSpc>
+                <a:spcPct val="90000"/>
+              </a:lnSpc>
+              <a:spcBef>
+                <a:spcPts val="500"/>
+              </a:spcBef>
+              <a:buFont typeface="Arial" panose="020B0604020202020204" pitchFamily="34" charset="0"/>
+              <a:buChar char="•"/>
+              <a:defRPr sz="2400" kern="1200">
+                <a:solidFill>
+                  <a:schemeClr val="tx2"/>
+                </a:solidFill>
+                <a:latin typeface="+mn-lt"/>
+                <a:ea typeface="+mn-ea"/>
+                <a:cs typeface="+mn-cs"/>
+              </a:defRPr>
+            </a:lvl2pPr>
+            <a:lvl3pPr marL="1143000" indent="-228600" algn="l" defTabSz="914400" rtl="0" eaLnBrk="1" latinLnBrk="0" hangingPunct="1">
+              <a:lnSpc>
+                <a:spcPct val="90000"/>
+              </a:lnSpc>
+              <a:spcBef>
+                <a:spcPts val="500"/>
+              </a:spcBef>
+              <a:buFont typeface="Arial" panose="020B0604020202020204" pitchFamily="34" charset="0"/>
+              <a:buChar char="•"/>
+              <a:defRPr sz="2000" kern="1200">
+                <a:solidFill>
+                  <a:schemeClr val="tx2"/>
+                </a:solidFill>
+                <a:latin typeface="+mn-lt"/>
+                <a:ea typeface="+mn-ea"/>
+                <a:cs typeface="+mn-cs"/>
+              </a:defRPr>
+            </a:lvl3pPr>
+            <a:lvl4pPr marL="1600200" indent="-228600" algn="l" defTabSz="914400" rtl="0" eaLnBrk="1" latinLnBrk="0" hangingPunct="1">
+              <a:lnSpc>
+                <a:spcPct val="90000"/>
+              </a:lnSpc>
+              <a:spcBef>
+                <a:spcPts val="500"/>
+              </a:spcBef>
+              <a:buFont typeface="Arial" panose="020B0604020202020204" pitchFamily="34" charset="0"/>
+              <a:buChar char="•"/>
+              <a:defRPr sz="1800" kern="1200">
+                <a:solidFill>
+                  <a:schemeClr val="tx2"/>
+                </a:solidFill>
+                <a:latin typeface="+mn-lt"/>
+                <a:ea typeface="+mn-ea"/>
+                <a:cs typeface="+mn-cs"/>
+              </a:defRPr>
+            </a:lvl4pPr>
+            <a:lvl5pPr marL="2057400" indent="-228600" algn="l" defTabSz="914400" rtl="0" eaLnBrk="1" latinLnBrk="0" hangingPunct="1">
+              <a:lnSpc>
+                <a:spcPct val="90000"/>
+              </a:lnSpc>
+              <a:spcBef>
+                <a:spcPts val="500"/>
+              </a:spcBef>
+              <a:buFont typeface="Arial" panose="020B0604020202020204" pitchFamily="34" charset="0"/>
+              <a:buChar char="•"/>
+              <a:defRPr sz="1800" kern="1200">
+                <a:solidFill>
+                  <a:schemeClr val="tx2"/>
+                </a:solidFill>
+                <a:latin typeface="+mn-lt"/>
+                <a:ea typeface="+mn-ea"/>
+                <a:cs typeface="+mn-cs"/>
+              </a:defRPr>
+            </a:lvl5pPr>
+            <a:lvl6pPr marL="2514600" indent="-228600" algn="l" defTabSz="914400" rtl="0" eaLnBrk="1" latinLnBrk="0" hangingPunct="1">
+              <a:lnSpc>
+                <a:spcPct val="90000"/>
+              </a:lnSpc>
+              <a:spcBef>
+                <a:spcPts val="500"/>
+              </a:spcBef>
+              <a:buFont typeface="Arial" panose="020B0604020202020204" pitchFamily="34" charset="0"/>
+              <a:buChar char="•"/>
+              <a:defRPr sz="1800" kern="1200">
+                <a:solidFill>
+                  <a:schemeClr val="tx1"/>
+                </a:solidFill>
+                <a:latin typeface="+mn-lt"/>
+                <a:ea typeface="+mn-ea"/>
+                <a:cs typeface="+mn-cs"/>
+              </a:defRPr>
+            </a:lvl6pPr>
+            <a:lvl7pPr marL="2971800" indent="-228600" algn="l" defTabSz="914400" rtl="0" eaLnBrk="1" latinLnBrk="0" hangingPunct="1">
+              <a:lnSpc>
+                <a:spcPct val="90000"/>
+              </a:lnSpc>
+              <a:spcBef>
+                <a:spcPts val="500"/>
+              </a:spcBef>
+              <a:buFont typeface="Arial" panose="020B0604020202020204" pitchFamily="34" charset="0"/>
+              <a:buChar char="•"/>
+              <a:defRPr sz="1800" kern="1200">
+                <a:solidFill>
+                  <a:schemeClr val="tx1"/>
+                </a:solidFill>
+                <a:latin typeface="+mn-lt"/>
+                <a:ea typeface="+mn-ea"/>
+                <a:cs typeface="+mn-cs"/>
+              </a:defRPr>
+            </a:lvl7pPr>
+            <a:lvl8pPr marL="3429000" indent="-228600" algn="l" defTabSz="914400" rtl="0" eaLnBrk="1" latinLnBrk="0" hangingPunct="1">
+              <a:lnSpc>
+                <a:spcPct val="90000"/>
+              </a:lnSpc>
+              <a:spcBef>
+                <a:spcPts val="500"/>
+              </a:spcBef>
+              <a:buFont typeface="Arial" panose="020B0604020202020204" pitchFamily="34" charset="0"/>
+              <a:buChar char="•"/>
+              <a:defRPr sz="1800" kern="1200">
+                <a:solidFill>
+                  <a:schemeClr val="tx1"/>
+                </a:solidFill>
+                <a:latin typeface="+mn-lt"/>
+                <a:ea typeface="+mn-ea"/>
+                <a:cs typeface="+mn-cs"/>
+              </a:defRPr>
+            </a:lvl8pPr>
+            <a:lvl9pPr marL="3886200" indent="-228600" algn="l" defTabSz="914400" rtl="0" eaLnBrk="1" latinLnBrk="0" hangingPunct="1">
+              <a:lnSpc>
+                <a:spcPct val="90000"/>
+              </a:lnSpc>
+              <a:spcBef>
+                <a:spcPts val="500"/>
+              </a:spcBef>
+              <a:buFont typeface="Arial" panose="020B0604020202020204" pitchFamily="34" charset="0"/>
+              <a:buChar char="•"/>
+              <a:defRPr sz="1800" kern="1200">
+                <a:solidFill>
+                  <a:schemeClr val="tx1"/>
+                </a:solidFill>
+                <a:latin typeface="+mn-lt"/>
+                <a:ea typeface="+mn-ea"/>
+                <a:cs typeface="+mn-cs"/>
+              </a:defRPr>
+            </a:lvl9pPr>
+          </a:lstStyle>
+          <a:p>
+            <a:r>
+              <a:rPr lang="en-US" sz="2000" dirty="0">
+                <a:hlinkClick r:id="rId3"/>
+              </a:rPr>
+              <a:t>https://val-triyudha.github.io/</a:t>
+            </a:r>
+          </a:p>
+          <a:p>
+            <a:r>
+              <a:rPr lang="en-US" sz="2000" dirty="0">
+                <a:hlinkClick r:id="rId3"/>
+              </a:rPr>
+              <a:t>https://devennatval.github.io/</a:t>
+            </a:r>
+            <a:endParaRPr lang="en-US" sz="2000" dirty="0"/>
+          </a:p>
+          <a:p>
+            <a:r>
+              <a:rPr lang="en-US" sz="2000" dirty="0">
+                <a:hlinkClick r:id="rId4"/>
+              </a:rPr>
+              <a:t>https://richardlionggiwijaya.github.io/</a:t>
+            </a:r>
+            <a:endParaRPr lang="en-US" sz="2000" dirty="0"/>
+          </a:p>
+          <a:p>
+            <a:endParaRPr lang="en-US" sz="2000" dirty="0"/>
+          </a:p>
+          <a:p>
+            <a:endParaRPr lang="en-US" sz="2000" dirty="0"/>
           </a:p>
         </p:txBody>
       </p:sp>
@@ -23549,21 +23774,21 @@
 </file>
 
 <file path=customXml/item1.xml><?xml version="1.0" encoding="utf-8"?>
+<p:properties xmlns:p="http://schemas.microsoft.com/office/2006/metadata/properties" xmlns:xsi="http://www.w3.org/2001/XMLSchema-instance" xmlns:pc="http://schemas.microsoft.com/office/infopath/2007/PartnerControls">
+  <documentManagement>
+    <_ip_UnifiedCompliancePolicyUIAction xmlns="http://schemas.microsoft.com/sharepoint/v3" xsi:nil="true"/>
+    <_ip_UnifiedCompliancePolicyProperties xmlns="http://schemas.microsoft.com/sharepoint/v3" xsi:nil="true"/>
+  </documentManagement>
+</p:properties>
+</file>
+
+<file path=customXml/item2.xml><?xml version="1.0" encoding="utf-8"?>
 <?mso-contentType ?>
 <FormTemplates xmlns="http://schemas.microsoft.com/sharepoint/v3/contenttype/forms">
   <Display>DocumentLibraryForm</Display>
   <Edit>DocumentLibraryForm</Edit>
   <New>DocumentLibraryForm</New>
 </FormTemplates>
-</file>
-
-<file path=customXml/item2.xml><?xml version="1.0" encoding="utf-8"?>
-<p:properties xmlns:p="http://schemas.microsoft.com/office/2006/metadata/properties" xmlns:xsi="http://www.w3.org/2001/XMLSchema-instance" xmlns:pc="http://schemas.microsoft.com/office/infopath/2007/PartnerControls">
-  <documentManagement>
-    <_ip_UnifiedCompliancePolicyUIAction xmlns="http://schemas.microsoft.com/sharepoint/v3" xsi:nil="true"/>
-    <_ip_UnifiedCompliancePolicyProperties xmlns="http://schemas.microsoft.com/sharepoint/v3" xsi:nil="true"/>
-  </documentManagement>
-</p:properties>
 </file>
 
 <file path=customXml/item3.xml><?xml version="1.0" encoding="utf-8"?>
@@ -23775,19 +24000,19 @@
 </file>
 
 <file path=customXml/itemProps1.xml><?xml version="1.0" encoding="utf-8"?>
-<ds:datastoreItem xmlns:ds="http://schemas.openxmlformats.org/officeDocument/2006/customXml" ds:itemID="{8C5154C8-4BB5-43F2-9F6C-5E79271A0D50}">
+<ds:datastoreItem xmlns:ds="http://schemas.openxmlformats.org/officeDocument/2006/customXml" ds:itemID="{947A0EF5-23A9-4627-BC46-745B7DD804D2}">
   <ds:schemaRefs>
-    <ds:schemaRef ds:uri="http://schemas.microsoft.com/sharepoint/v3/contenttype/forms"/>
+    <ds:schemaRef ds:uri="http://schemas.microsoft.com/office/2006/metadata/properties"/>
+    <ds:schemaRef ds:uri="http://schemas.microsoft.com/office/infopath/2007/PartnerControls"/>
+    <ds:schemaRef ds:uri="http://schemas.microsoft.com/sharepoint/v3"/>
   </ds:schemaRefs>
 </ds:datastoreItem>
 </file>
 
 <file path=customXml/itemProps2.xml><?xml version="1.0" encoding="utf-8"?>
-<ds:datastoreItem xmlns:ds="http://schemas.openxmlformats.org/officeDocument/2006/customXml" ds:itemID="{947A0EF5-23A9-4627-BC46-745B7DD804D2}">
+<ds:datastoreItem xmlns:ds="http://schemas.openxmlformats.org/officeDocument/2006/customXml" ds:itemID="{8C5154C8-4BB5-43F2-9F6C-5E79271A0D50}">
   <ds:schemaRefs>
-    <ds:schemaRef ds:uri="http://schemas.microsoft.com/office/2006/metadata/properties"/>
-    <ds:schemaRef ds:uri="http://schemas.microsoft.com/office/infopath/2007/PartnerControls"/>
-    <ds:schemaRef ds:uri="http://schemas.microsoft.com/sharepoint/v3"/>
+    <ds:schemaRef ds:uri="http://schemas.microsoft.com/sharepoint/v3/contenttype/forms"/>
   </ds:schemaRefs>
 </ds:datastoreItem>
 </file>

--- a/Slide.pptx
+++ b/Slide.pptx
@@ -244,7 +244,7 @@
           <a:p>
             <a:fld id="{9E88B8F3-31C2-4698-B74C-D5D76CFD8ACD}" type="datetimeFigureOut">
               <a:rPr lang="ru-RU" smtClean="0"/>
-              <a:t>04.06.2020</a:t>
+              <a:t>07.06.2020</a:t>
             </a:fld>
             <a:endParaRPr lang="ru-RU" dirty="0"/>
           </a:p>
@@ -421,7 +421,7 @@
           <a:p>
             <a:fld id="{7000EB3D-2307-4317-8A1D-B47FA45245F0}" type="datetimeFigureOut">
               <a:rPr lang="ru-RU" smtClean="0"/>
-              <a:t>04.06.2020</a:t>
+              <a:t>07.06.2020</a:t>
             </a:fld>
             <a:endParaRPr lang="ru-RU" dirty="0"/>
           </a:p>
@@ -15434,10 +15434,10 @@
       </p:sp>
       <p:pic>
         <p:nvPicPr>
-          <p:cNvPr id="3" name="Picture 2">
-            <a:extLst>
-              <a:ext uri="{FF2B5EF4-FFF2-40B4-BE49-F238E27FC236}">
-                <a16:creationId xmlns:a16="http://schemas.microsoft.com/office/drawing/2014/main" id="{D8219E1B-C7BF-4AAE-AE2E-C351E8099D6E}"/>
+          <p:cNvPr id="8" name="Picture 7">
+            <a:extLst>
+              <a:ext uri="{FF2B5EF4-FFF2-40B4-BE49-F238E27FC236}">
+                <a16:creationId xmlns:a16="http://schemas.microsoft.com/office/drawing/2014/main" id="{E959A18C-EE21-4B77-8159-FB9DF8B2A561}"/>
               </a:ext>
             </a:extLst>
           </p:cNvPr>
@@ -15448,86 +15448,6 @@
         </p:nvPicPr>
         <p:blipFill>
           <a:blip r:embed="rId2"/>
-          <a:stretch>
-            <a:fillRect/>
-          </a:stretch>
-        </p:blipFill>
-        <p:spPr>
-          <a:xfrm>
-            <a:off x="838200" y="3326245"/>
-            <a:ext cx="5350411" cy="2107912"/>
-          </a:xfrm>
-          <a:prstGeom prst="rect">
-            <a:avLst/>
-          </a:prstGeom>
-          <a:ln>
-            <a:noFill/>
-          </a:ln>
-          <a:effectLst>
-            <a:outerShdw blurRad="292100" dist="139700" dir="2700000" algn="tl" rotWithShape="0">
-              <a:srgbClr val="333333">
-                <a:alpha val="65000"/>
-              </a:srgbClr>
-            </a:outerShdw>
-          </a:effectLst>
-        </p:spPr>
-      </p:pic>
-      <p:pic>
-        <p:nvPicPr>
-          <p:cNvPr id="6" name="Picture 5">
-            <a:extLst>
-              <a:ext uri="{FF2B5EF4-FFF2-40B4-BE49-F238E27FC236}">
-                <a16:creationId xmlns:a16="http://schemas.microsoft.com/office/drawing/2014/main" id="{095A6EEA-FCC2-4563-BB2F-379DC0A09CCC}"/>
-              </a:ext>
-            </a:extLst>
-          </p:cNvPr>
-          <p:cNvPicPr>
-            <a:picLocks noChangeAspect="1"/>
-          </p:cNvPicPr>
-          <p:nvPr/>
-        </p:nvPicPr>
-        <p:blipFill>
-          <a:blip r:embed="rId3"/>
-          <a:stretch>
-            <a:fillRect/>
-          </a:stretch>
-        </p:blipFill>
-        <p:spPr>
-          <a:xfrm>
-            <a:off x="838200" y="2143470"/>
-            <a:ext cx="4403681" cy="744622"/>
-          </a:xfrm>
-          <a:prstGeom prst="rect">
-            <a:avLst/>
-          </a:prstGeom>
-          <a:ln>
-            <a:noFill/>
-          </a:ln>
-          <a:effectLst>
-            <a:outerShdw blurRad="292100" dist="139700" dir="2700000" algn="tl" rotWithShape="0">
-              <a:srgbClr val="333333">
-                <a:alpha val="65000"/>
-              </a:srgbClr>
-            </a:outerShdw>
-          </a:effectLst>
-        </p:spPr>
-      </p:pic>
-      <p:pic>
-        <p:nvPicPr>
-          <p:cNvPr id="8" name="Picture 7">
-            <a:extLst>
-              <a:ext uri="{FF2B5EF4-FFF2-40B4-BE49-F238E27FC236}">
-                <a16:creationId xmlns:a16="http://schemas.microsoft.com/office/drawing/2014/main" id="{E959A18C-EE21-4B77-8159-FB9DF8B2A561}"/>
-              </a:ext>
-            </a:extLst>
-          </p:cNvPr>
-          <p:cNvPicPr>
-            <a:picLocks noChangeAspect="1"/>
-          </p:cNvPicPr>
-          <p:nvPr/>
-        </p:nvPicPr>
-        <p:blipFill>
-          <a:blip r:embed="rId4"/>
           <a:stretch>
             <a:fillRect/>
           </a:stretch>
@@ -15553,6 +15473,66 @@
           <a:effectLst>
             <a:reflection blurRad="12700" stA="38000" endPos="28000" dist="5000" dir="5400000" sy="-100000" algn="bl" rotWithShape="0"/>
           </a:effectLst>
+        </p:spPr>
+      </p:pic>
+      <p:pic>
+        <p:nvPicPr>
+          <p:cNvPr id="5" name="Picture 4">
+            <a:extLst>
+              <a:ext uri="{FF2B5EF4-FFF2-40B4-BE49-F238E27FC236}">
+                <a16:creationId xmlns:a16="http://schemas.microsoft.com/office/drawing/2014/main" id="{F2C4B202-4AA2-43D3-A305-B5581242397F}"/>
+              </a:ext>
+            </a:extLst>
+          </p:cNvPr>
+          <p:cNvPicPr>
+            <a:picLocks noChangeAspect="1"/>
+          </p:cNvPicPr>
+          <p:nvPr/>
+        </p:nvPicPr>
+        <p:blipFill>
+          <a:blip r:embed="rId3"/>
+          <a:stretch>
+            <a:fillRect/>
+          </a:stretch>
+        </p:blipFill>
+        <p:spPr>
+          <a:xfrm>
+            <a:off x="838200" y="2227757"/>
+            <a:ext cx="5010849" cy="695422"/>
+          </a:xfrm>
+          <a:prstGeom prst="rect">
+            <a:avLst/>
+          </a:prstGeom>
+        </p:spPr>
+      </p:pic>
+      <p:pic>
+        <p:nvPicPr>
+          <p:cNvPr id="9" name="Picture 8">
+            <a:extLst>
+              <a:ext uri="{FF2B5EF4-FFF2-40B4-BE49-F238E27FC236}">
+                <a16:creationId xmlns:a16="http://schemas.microsoft.com/office/drawing/2014/main" id="{636FB63F-A0DB-4CF6-A9E6-9C632C81CA2C}"/>
+              </a:ext>
+            </a:extLst>
+          </p:cNvPr>
+          <p:cNvPicPr>
+            <a:picLocks noChangeAspect="1"/>
+          </p:cNvPicPr>
+          <p:nvPr/>
+        </p:nvPicPr>
+        <p:blipFill>
+          <a:blip r:embed="rId4"/>
+          <a:stretch>
+            <a:fillRect/>
+          </a:stretch>
+        </p:blipFill>
+        <p:spPr>
+          <a:xfrm>
+            <a:off x="811267" y="3515287"/>
+            <a:ext cx="5465004" cy="1840619"/>
+          </a:xfrm>
+          <a:prstGeom prst="rect">
+            <a:avLst/>
+          </a:prstGeom>
         </p:spPr>
       </p:pic>
     </p:spTree>
@@ -15993,10 +15973,10 @@
       </p:sp>
       <p:pic>
         <p:nvPicPr>
-          <p:cNvPr id="5" name="Picture 4">
-            <a:extLst>
-              <a:ext uri="{FF2B5EF4-FFF2-40B4-BE49-F238E27FC236}">
-                <a16:creationId xmlns:a16="http://schemas.microsoft.com/office/drawing/2014/main" id="{8411900A-720A-4F97-82A0-82AD5FEA196E}"/>
+          <p:cNvPr id="9" name="Picture 8">
+            <a:extLst>
+              <a:ext uri="{FF2B5EF4-FFF2-40B4-BE49-F238E27FC236}">
+                <a16:creationId xmlns:a16="http://schemas.microsoft.com/office/drawing/2014/main" id="{6BDA1227-FD2B-4C58-A527-6DEB487FFA29}"/>
               </a:ext>
             </a:extLst>
           </p:cNvPr>
@@ -16007,36 +15987,6 @@
         </p:nvPicPr>
         <p:blipFill>
           <a:blip r:embed="rId2"/>
-          <a:stretch>
-            <a:fillRect/>
-          </a:stretch>
-        </p:blipFill>
-        <p:spPr>
-          <a:xfrm>
-            <a:off x="2566323" y="1804074"/>
-            <a:ext cx="4796501" cy="4897347"/>
-          </a:xfrm>
-          <a:prstGeom prst="rect">
-            <a:avLst/>
-          </a:prstGeom>
-        </p:spPr>
-      </p:pic>
-      <p:pic>
-        <p:nvPicPr>
-          <p:cNvPr id="9" name="Picture 8">
-            <a:extLst>
-              <a:ext uri="{FF2B5EF4-FFF2-40B4-BE49-F238E27FC236}">
-                <a16:creationId xmlns:a16="http://schemas.microsoft.com/office/drawing/2014/main" id="{6BDA1227-FD2B-4C58-A527-6DEB487FFA29}"/>
-              </a:ext>
-            </a:extLst>
-          </p:cNvPr>
-          <p:cNvPicPr>
-            <a:picLocks noChangeAspect="1"/>
-          </p:cNvPicPr>
-          <p:nvPr/>
-        </p:nvPicPr>
-        <p:blipFill>
-          <a:blip r:embed="rId3"/>
           <a:stretch>
             <a:fillRect/>
           </a:stretch>
@@ -16053,10 +16003,10 @@
       </p:pic>
       <p:sp>
         <p:nvSpPr>
-          <p:cNvPr id="10" name="Oval 9">
-            <a:extLst>
-              <a:ext uri="{FF2B5EF4-FFF2-40B4-BE49-F238E27FC236}">
-                <a16:creationId xmlns:a16="http://schemas.microsoft.com/office/drawing/2014/main" id="{AC70E3AB-67BF-4EC9-8065-DA60F2E7AD13}"/>
+          <p:cNvPr id="11" name="Oval 10">
+            <a:extLst>
+              <a:ext uri="{FF2B5EF4-FFF2-40B4-BE49-F238E27FC236}">
+                <a16:creationId xmlns:a16="http://schemas.microsoft.com/office/drawing/2014/main" id="{643DD753-107F-4553-859F-FC8F500D1DF2}"/>
               </a:ext>
             </a:extLst>
           </p:cNvPr>
@@ -16065,8 +16015,8 @@
         </p:nvSpPr>
         <p:spPr>
           <a:xfrm>
-            <a:off x="2566322" y="5064867"/>
-            <a:ext cx="4796501" cy="1472196"/>
+            <a:off x="7543882" y="3520382"/>
+            <a:ext cx="1342943" cy="990600"/>
           </a:xfrm>
           <a:prstGeom prst="ellipse">
             <a:avLst/>
@@ -16089,12 +16039,42 @@
           </a:p>
         </p:txBody>
       </p:sp>
+      <p:pic>
+        <p:nvPicPr>
+          <p:cNvPr id="6" name="Picture 5">
+            <a:extLst>
+              <a:ext uri="{FF2B5EF4-FFF2-40B4-BE49-F238E27FC236}">
+                <a16:creationId xmlns:a16="http://schemas.microsoft.com/office/drawing/2014/main" id="{539436D8-2C7F-4B0A-A5C5-70D433A22CE3}"/>
+              </a:ext>
+            </a:extLst>
+          </p:cNvPr>
+          <p:cNvPicPr>
+            <a:picLocks noChangeAspect="1"/>
+          </p:cNvPicPr>
+          <p:nvPr/>
+        </p:nvPicPr>
+        <p:blipFill>
+          <a:blip r:embed="rId3"/>
+          <a:stretch>
+            <a:fillRect/>
+          </a:stretch>
+        </p:blipFill>
+        <p:spPr>
+          <a:xfrm>
+            <a:off x="2581891" y="1846431"/>
+            <a:ext cx="4765361" cy="4963349"/>
+          </a:xfrm>
+          <a:prstGeom prst="rect">
+            <a:avLst/>
+          </a:prstGeom>
+        </p:spPr>
+      </p:pic>
       <p:sp>
         <p:nvSpPr>
-          <p:cNvPr id="11" name="Oval 10">
-            <a:extLst>
-              <a:ext uri="{FF2B5EF4-FFF2-40B4-BE49-F238E27FC236}">
-                <a16:creationId xmlns:a16="http://schemas.microsoft.com/office/drawing/2014/main" id="{643DD753-107F-4553-859F-FC8F500D1DF2}"/>
+          <p:cNvPr id="10" name="Oval 9">
+            <a:extLst>
+              <a:ext uri="{FF2B5EF4-FFF2-40B4-BE49-F238E27FC236}">
+                <a16:creationId xmlns:a16="http://schemas.microsoft.com/office/drawing/2014/main" id="{AC70E3AB-67BF-4EC9-8065-DA60F2E7AD13}"/>
               </a:ext>
             </a:extLst>
           </p:cNvPr>
@@ -16103,8 +16083,8 @@
         </p:nvSpPr>
         <p:spPr>
           <a:xfrm>
-            <a:off x="7543882" y="3520382"/>
-            <a:ext cx="1342943" cy="990600"/>
+            <a:off x="2566322" y="5064867"/>
+            <a:ext cx="4796501" cy="1472196"/>
           </a:xfrm>
           <a:prstGeom prst="ellipse">
             <a:avLst/>
@@ -18037,10 +18017,10 @@
       </p:sp>
       <p:pic>
         <p:nvPicPr>
-          <p:cNvPr id="3" name="Picture 2">
-            <a:extLst>
-              <a:ext uri="{FF2B5EF4-FFF2-40B4-BE49-F238E27FC236}">
-                <a16:creationId xmlns:a16="http://schemas.microsoft.com/office/drawing/2014/main" id="{4A5D408A-7834-4E2D-BA00-1A52159E6BC4}"/>
+          <p:cNvPr id="5" name="Picture 4">
+            <a:extLst>
+              <a:ext uri="{FF2B5EF4-FFF2-40B4-BE49-F238E27FC236}">
+                <a16:creationId xmlns:a16="http://schemas.microsoft.com/office/drawing/2014/main" id="{B480D69A-7E6E-47E9-8C4D-269BB072179C}"/>
               </a:ext>
             </a:extLst>
           </p:cNvPr>
@@ -18057,8 +18037,8 @@
         </p:blipFill>
         <p:spPr>
           <a:xfrm>
-            <a:off x="678670" y="2070928"/>
-            <a:ext cx="5930726" cy="4205288"/>
+            <a:off x="7184707" y="2421635"/>
+            <a:ext cx="4710113" cy="2333495"/>
           </a:xfrm>
           <a:prstGeom prst="rect">
             <a:avLst/>
@@ -18067,10 +18047,10 @@
       </p:pic>
       <p:pic>
         <p:nvPicPr>
-          <p:cNvPr id="5" name="Picture 4">
-            <a:extLst>
-              <a:ext uri="{FF2B5EF4-FFF2-40B4-BE49-F238E27FC236}">
-                <a16:creationId xmlns:a16="http://schemas.microsoft.com/office/drawing/2014/main" id="{B480D69A-7E6E-47E9-8C4D-269BB072179C}"/>
+          <p:cNvPr id="8" name="Picture 7">
+            <a:extLst>
+              <a:ext uri="{FF2B5EF4-FFF2-40B4-BE49-F238E27FC236}">
+                <a16:creationId xmlns:a16="http://schemas.microsoft.com/office/drawing/2014/main" id="{47C9D11E-6F00-4BA1-9FE5-A7378D3ED376}"/>
               </a:ext>
             </a:extLst>
           </p:cNvPr>
@@ -18079,16 +18059,15 @@
           </p:cNvPicPr>
           <p:nvPr/>
         </p:nvPicPr>
-        <p:blipFill>
+        <p:blipFill rotWithShape="1">
           <a:blip r:embed="rId3"/>
-          <a:stretch>
-            <a:fillRect/>
-          </a:stretch>
+          <a:srcRect r="6594"/>
+          <a:stretch/>
         </p:blipFill>
         <p:spPr>
           <a:xfrm>
-            <a:off x="6845037" y="2993135"/>
-            <a:ext cx="4710113" cy="2333495"/>
+            <a:off x="392283" y="2155297"/>
+            <a:ext cx="6691359" cy="4029637"/>
           </a:xfrm>
           <a:prstGeom prst="rect">
             <a:avLst/>
@@ -18533,10 +18512,10 @@
       </p:sp>
       <p:pic>
         <p:nvPicPr>
-          <p:cNvPr id="6" name="Picture 5">
-            <a:extLst>
-              <a:ext uri="{FF2B5EF4-FFF2-40B4-BE49-F238E27FC236}">
-                <a16:creationId xmlns:a16="http://schemas.microsoft.com/office/drawing/2014/main" id="{483244A0-7ED5-4DD3-849F-2387AE2CF4E7}"/>
+          <p:cNvPr id="3" name="Picture 2">
+            <a:extLst>
+              <a:ext uri="{FF2B5EF4-FFF2-40B4-BE49-F238E27FC236}">
+                <a16:creationId xmlns:a16="http://schemas.microsoft.com/office/drawing/2014/main" id="{8D52F24F-C8AA-4408-A584-C734AA4D85B2}"/>
               </a:ext>
             </a:extLst>
           </p:cNvPr>
@@ -18553,8 +18532,68 @@
         </p:blipFill>
         <p:spPr>
           <a:xfrm>
-            <a:off x="2518222" y="1751583"/>
-            <a:ext cx="6481763" cy="4615914"/>
+            <a:off x="2156863" y="1661770"/>
+            <a:ext cx="6382584" cy="3974645"/>
+          </a:xfrm>
+          <a:prstGeom prst="rect">
+            <a:avLst/>
+          </a:prstGeom>
+        </p:spPr>
+      </p:pic>
+      <p:pic>
+        <p:nvPicPr>
+          <p:cNvPr id="5" name="Picture 4">
+            <a:extLst>
+              <a:ext uri="{FF2B5EF4-FFF2-40B4-BE49-F238E27FC236}">
+                <a16:creationId xmlns:a16="http://schemas.microsoft.com/office/drawing/2014/main" id="{EC2B952D-16D2-4D7F-8216-F8934CE22AB8}"/>
+              </a:ext>
+            </a:extLst>
+          </p:cNvPr>
+          <p:cNvPicPr>
+            <a:picLocks noChangeAspect="1"/>
+          </p:cNvPicPr>
+          <p:nvPr/>
+        </p:nvPicPr>
+        <p:blipFill>
+          <a:blip r:embed="rId3"/>
+          <a:stretch>
+            <a:fillRect/>
+          </a:stretch>
+        </p:blipFill>
+        <p:spPr>
+          <a:xfrm>
+            <a:off x="9042459" y="1673200"/>
+            <a:ext cx="1962424" cy="266737"/>
+          </a:xfrm>
+          <a:prstGeom prst="rect">
+            <a:avLst/>
+          </a:prstGeom>
+        </p:spPr>
+      </p:pic>
+      <p:pic>
+        <p:nvPicPr>
+          <p:cNvPr id="8" name="Picture 7">
+            <a:extLst>
+              <a:ext uri="{FF2B5EF4-FFF2-40B4-BE49-F238E27FC236}">
+                <a16:creationId xmlns:a16="http://schemas.microsoft.com/office/drawing/2014/main" id="{D7587701-7E58-4343-B7B3-91032B258BF1}"/>
+              </a:ext>
+            </a:extLst>
+          </p:cNvPr>
+          <p:cNvPicPr>
+            <a:picLocks noChangeAspect="1"/>
+          </p:cNvPicPr>
+          <p:nvPr/>
+        </p:nvPicPr>
+        <p:blipFill>
+          <a:blip r:embed="rId4"/>
+          <a:stretch>
+            <a:fillRect/>
+          </a:stretch>
+        </p:blipFill>
+        <p:spPr>
+          <a:xfrm>
+            <a:off x="9023406" y="2399490"/>
+            <a:ext cx="2000529" cy="295316"/>
           </a:xfrm>
           <a:prstGeom prst="rect">
             <a:avLst/>
@@ -23774,21 +23813,21 @@
 </file>
 
 <file path=customXml/item1.xml><?xml version="1.0" encoding="utf-8"?>
+<?mso-contentType ?>
+<FormTemplates xmlns="http://schemas.microsoft.com/sharepoint/v3/contenttype/forms">
+  <Display>DocumentLibraryForm</Display>
+  <Edit>DocumentLibraryForm</Edit>
+  <New>DocumentLibraryForm</New>
+</FormTemplates>
+</file>
+
+<file path=customXml/item2.xml><?xml version="1.0" encoding="utf-8"?>
 <p:properties xmlns:p="http://schemas.microsoft.com/office/2006/metadata/properties" xmlns:xsi="http://www.w3.org/2001/XMLSchema-instance" xmlns:pc="http://schemas.microsoft.com/office/infopath/2007/PartnerControls">
   <documentManagement>
     <_ip_UnifiedCompliancePolicyUIAction xmlns="http://schemas.microsoft.com/sharepoint/v3" xsi:nil="true"/>
     <_ip_UnifiedCompliancePolicyProperties xmlns="http://schemas.microsoft.com/sharepoint/v3" xsi:nil="true"/>
   </documentManagement>
 </p:properties>
-</file>
-
-<file path=customXml/item2.xml><?xml version="1.0" encoding="utf-8"?>
-<?mso-contentType ?>
-<FormTemplates xmlns="http://schemas.microsoft.com/sharepoint/v3/contenttype/forms">
-  <Display>DocumentLibraryForm</Display>
-  <Edit>DocumentLibraryForm</Edit>
-  <New>DocumentLibraryForm</New>
-</FormTemplates>
 </file>
 
 <file path=customXml/item3.xml><?xml version="1.0" encoding="utf-8"?>
@@ -24000,19 +24039,19 @@
 </file>
 
 <file path=customXml/itemProps1.xml><?xml version="1.0" encoding="utf-8"?>
+<ds:datastoreItem xmlns:ds="http://schemas.openxmlformats.org/officeDocument/2006/customXml" ds:itemID="{8C5154C8-4BB5-43F2-9F6C-5E79271A0D50}">
+  <ds:schemaRefs>
+    <ds:schemaRef ds:uri="http://schemas.microsoft.com/sharepoint/v3/contenttype/forms"/>
+  </ds:schemaRefs>
+</ds:datastoreItem>
+</file>
+
+<file path=customXml/itemProps2.xml><?xml version="1.0" encoding="utf-8"?>
 <ds:datastoreItem xmlns:ds="http://schemas.openxmlformats.org/officeDocument/2006/customXml" ds:itemID="{947A0EF5-23A9-4627-BC46-745B7DD804D2}">
   <ds:schemaRefs>
     <ds:schemaRef ds:uri="http://schemas.microsoft.com/office/2006/metadata/properties"/>
     <ds:schemaRef ds:uri="http://schemas.microsoft.com/office/infopath/2007/PartnerControls"/>
     <ds:schemaRef ds:uri="http://schemas.microsoft.com/sharepoint/v3"/>
-  </ds:schemaRefs>
-</ds:datastoreItem>
-</file>
-
-<file path=customXml/itemProps2.xml><?xml version="1.0" encoding="utf-8"?>
-<ds:datastoreItem xmlns:ds="http://schemas.openxmlformats.org/officeDocument/2006/customXml" ds:itemID="{8C5154C8-4BB5-43F2-9F6C-5E79271A0D50}">
-  <ds:schemaRefs>
-    <ds:schemaRef ds:uri="http://schemas.microsoft.com/sharepoint/v3/contenttype/forms"/>
   </ds:schemaRefs>
 </ds:datastoreItem>
 </file>
